--- a/docs/final_figures.pptx
+++ b/docs/final_figures.pptx
@@ -7,7 +7,7 @@
   <p:sldIdLst>
     <p:sldId id="256" r:id="rId2"/>
     <p:sldId id="257" r:id="rId3"/>
-    <p:sldId id="258" r:id="rId4"/>
+    <p:sldId id="261" r:id="rId4"/>
     <p:sldId id="259" r:id="rId5"/>
     <p:sldId id="260" r:id="rId6"/>
   </p:sldIdLst>
@@ -108,6 +108,11 @@
       </a:defRPr>
     </a:lvl9pPr>
   </p:defaultTextStyle>
+  <p:extLst>
+    <p:ext uri="{EFAFB233-063F-42B5-8137-9DF3F51BA10A}">
+      <p15:sldGuideLst xmlns:p15="http://schemas.microsoft.com/office/powerpoint/2012/main"/>
+    </p:ext>
+  </p:extLst>
 </p:presentation>
 </file>
 
@@ -4043,7 +4048,7 @@
 </file>
 
 <file path=ppt/slides/slide3.xml><?xml version="1.0" encoding="utf-8"?>
-<p:sld xmlns:a="http://schemas.openxmlformats.org/drawingml/2006/main" xmlns:r="http://schemas.openxmlformats.org/officeDocument/2006/relationships" xmlns:p="http://schemas.openxmlformats.org/presentationml/2006/main">
+<p:sld xmlns:a="http://schemas.openxmlformats.org/drawingml/2006/main" xmlns:r="http://schemas.openxmlformats.org/officeDocument/2006/relationships" xmlns:p="http://schemas.openxmlformats.org/presentationml/2006/main" show="0">
   <p:cSld>
     <p:spTree>
       <p:nvGrpSpPr>
@@ -4059,39 +4064,1101 @@
           <a:chExt cx="0" cy="0"/>
         </a:xfrm>
       </p:grpSpPr>
-      <p:sp>
-        <p:nvSpPr>
-          <p:cNvPr id="2" name="标题 1"/>
-          <p:cNvSpPr>
-            <a:spLocks noGrp="1"/>
-          </p:cNvSpPr>
+      <p:graphicFrame>
+        <p:nvGraphicFramePr>
+          <p:cNvPr id="4" name="表格 3">
+            <a:extLst>
+              <a:ext uri="{FF2B5EF4-FFF2-40B4-BE49-F238E27FC236}">
+                <a16:creationId xmlns:a16="http://schemas.microsoft.com/office/drawing/2014/main" id="{7CFB9CAA-2447-4CC4-A22F-ECC1C481E402}"/>
+              </a:ext>
+            </a:extLst>
+          </p:cNvPr>
+          <p:cNvGraphicFramePr>
+            <a:graphicFrameLocks noGrp="1"/>
+          </p:cNvGraphicFramePr>
           <p:nvPr>
-            <p:ph type="title"/>
+            <p:extLst/>
           </p:nvPr>
-        </p:nvSpPr>
-        <p:spPr/>
-        <p:txBody>
-          <a:bodyPr/>
-          <a:lstStyle/>
-          <a:p>
-            <a:r>
-              <a:rPr lang="en-US" altLang="zh-CN" dirty="0" smtClean="0"/>
-              <a:t>Fig. 4</a:t>
-            </a:r>
-            <a:endParaRPr lang="zh-CN" altLang="en-US" dirty="0"/>
-          </a:p>
-        </p:txBody>
-      </p:sp>
+        </p:nvGraphicFramePr>
+        <p:xfrm>
+          <a:off x="1018077" y="1458639"/>
+          <a:ext cx="9979661" cy="4261984"/>
+        </p:xfrm>
+        <a:graphic>
+          <a:graphicData uri="http://schemas.openxmlformats.org/drawingml/2006/table">
+            <a:tbl>
+              <a:tblPr firstRow="1" firstCol="1" bandRow="1"/>
+              <a:tblGrid>
+                <a:gridCol w="2711569">
+                  <a:extLst>
+                    <a:ext uri="{9D8B030D-6E8A-4147-A177-3AD203B41FA5}">
+                      <a16:colId xmlns:a16="http://schemas.microsoft.com/office/drawing/2014/main" val="354735457"/>
+                    </a:ext>
+                  </a:extLst>
+                </a:gridCol>
+                <a:gridCol w="7268092">
+                  <a:extLst>
+                    <a:ext uri="{9D8B030D-6E8A-4147-A177-3AD203B41FA5}">
+                      <a16:colId xmlns:a16="http://schemas.microsoft.com/office/drawing/2014/main" val="1090313937"/>
+                    </a:ext>
+                  </a:extLst>
+                </a:gridCol>
+              </a:tblGrid>
+              <a:tr h="1065496">
+                <a:tc>
+                  <a:txBody>
+                    <a:bodyPr/>
+                    <a:lstStyle/>
+                    <a:p>
+                      <a:pPr algn="ctr">
+                        <a:spcAft>
+                          <a:spcPts val="0"/>
+                        </a:spcAft>
+                      </a:pPr>
+                      <a:r>
+                        <a:rPr lang="en-US" altLang="zh-CN" sz="2500" kern="100" dirty="0">
+                          <a:effectLst/>
+                          <a:latin typeface="Times New Roman" panose="02020603050405020304" pitchFamily="18" charset="0"/>
+                          <a:ea typeface="等线" panose="02010600030101010101" pitchFamily="2" charset="-122"/>
+                          <a:cs typeface="Times New Roman" panose="02020603050405020304" pitchFamily="18" charset="0"/>
+                        </a:rPr>
+                        <a:t>Situation</a:t>
+                      </a:r>
+                      <a:endParaRPr lang="zh-CN" sz="2500" kern="100" dirty="0">
+                        <a:effectLst/>
+                        <a:latin typeface="Times New Roman" panose="02020603050405020304" pitchFamily="18" charset="0"/>
+                        <a:ea typeface="等线" panose="02010600030101010101" pitchFamily="2" charset="-122"/>
+                        <a:cs typeface="Times New Roman" panose="02020603050405020304" pitchFamily="18" charset="0"/>
+                      </a:endParaRPr>
+                    </a:p>
+                  </a:txBody>
+                  <a:tcPr marL="68580" marR="68580" marT="0" marB="0" anchor="ctr">
+                    <a:lnL w="12700" cap="flat" cmpd="sng" algn="ctr">
+                      <a:solidFill>
+                        <a:srgbClr val="000000"/>
+                      </a:solidFill>
+                      <a:prstDash val="solid"/>
+                      <a:round/>
+                      <a:headEnd type="none" w="med" len="med"/>
+                      <a:tailEnd type="none" w="med" len="med"/>
+                    </a:lnL>
+                    <a:lnR w="12700" cap="flat" cmpd="sng" algn="ctr">
+                      <a:solidFill>
+                        <a:srgbClr val="000000"/>
+                      </a:solidFill>
+                      <a:prstDash val="solid"/>
+                      <a:round/>
+                      <a:headEnd type="none" w="med" len="med"/>
+                      <a:tailEnd type="none" w="med" len="med"/>
+                    </a:lnR>
+                    <a:lnT w="12700" cap="flat" cmpd="sng" algn="ctr">
+                      <a:solidFill>
+                        <a:srgbClr val="000000"/>
+                      </a:solidFill>
+                      <a:prstDash val="solid"/>
+                      <a:round/>
+                      <a:headEnd type="none" w="med" len="med"/>
+                      <a:tailEnd type="none" w="med" len="med"/>
+                    </a:lnT>
+                    <a:lnB w="12700" cap="flat" cmpd="sng" algn="ctr">
+                      <a:solidFill>
+                        <a:srgbClr val="000000"/>
+                      </a:solidFill>
+                      <a:prstDash val="solid"/>
+                      <a:round/>
+                      <a:headEnd type="none" w="med" len="med"/>
+                      <a:tailEnd type="none" w="med" len="med"/>
+                    </a:lnB>
+                    <a:solidFill>
+                      <a:schemeClr val="bg2">
+                        <a:lumMod val="90000"/>
+                      </a:schemeClr>
+                    </a:solidFill>
+                  </a:tcPr>
+                </a:tc>
+                <a:tc>
+                  <a:txBody>
+                    <a:bodyPr/>
+                    <a:lstStyle/>
+                    <a:p>
+                      <a:pPr algn="ctr">
+                        <a:spcAft>
+                          <a:spcPts val="0"/>
+                        </a:spcAft>
+                      </a:pPr>
+                      <a:r>
+                        <a:rPr lang="en-US" altLang="zh-CN" sz="2500" kern="100" dirty="0">
+                          <a:effectLst/>
+                          <a:latin typeface="Times New Roman" panose="02020603050405020304" pitchFamily="18" charset="0"/>
+                          <a:ea typeface="等线" panose="02010600030101010101" pitchFamily="2" charset="-122"/>
+                          <a:cs typeface="Times New Roman" panose="02020603050405020304" pitchFamily="18" charset="0"/>
+                        </a:rPr>
+                        <a:t>&lt;</a:t>
+                      </a:r>
+                      <a:r>
+                        <a:rPr lang="en-US" altLang="zh-CN" sz="2500" kern="100" dirty="0" smtClean="0">
+                          <a:effectLst/>
+                          <a:latin typeface="Times New Roman" panose="02020603050405020304" pitchFamily="18" charset="0"/>
+                          <a:ea typeface="等线" panose="02010600030101010101" pitchFamily="2" charset="-122"/>
+                          <a:cs typeface="Times New Roman" panose="02020603050405020304" pitchFamily="18" charset="0"/>
+                        </a:rPr>
+                        <a:t>NF1 </a:t>
+                      </a:r>
+                      <a:r>
+                        <a:rPr lang="en-US" altLang="zh-CN" sz="2500" kern="100" baseline="0" dirty="0" smtClean="0">
+                          <a:effectLst/>
+                          <a:latin typeface="Times New Roman" panose="02020603050405020304" pitchFamily="18" charset="0"/>
+                          <a:ea typeface="等线" panose="02010600030101010101" pitchFamily="2" charset="-122"/>
+                          <a:cs typeface="Times New Roman" panose="02020603050405020304" pitchFamily="18" charset="0"/>
+                        </a:rPr>
+                        <a:t>Operation, NF2 Operation, </a:t>
+                      </a:r>
+                      <a:r>
+                        <a:rPr lang="en-US" altLang="zh-CN" sz="2500" kern="100" baseline="0" dirty="0" err="1" smtClean="0">
+                          <a:effectLst/>
+                          <a:latin typeface="Times New Roman" panose="02020603050405020304" pitchFamily="18" charset="0"/>
+                          <a:ea typeface="等线" panose="02010600030101010101" pitchFamily="2" charset="-122"/>
+                          <a:cs typeface="Times New Roman" panose="02020603050405020304" pitchFamily="18" charset="0"/>
+                        </a:rPr>
+                        <a:t>ConflictField</a:t>
+                      </a:r>
+                      <a:r>
+                        <a:rPr lang="en-US" altLang="zh-CN" sz="2500" kern="100" baseline="0" dirty="0" smtClean="0">
+                          <a:effectLst/>
+                          <a:latin typeface="Times New Roman" panose="02020603050405020304" pitchFamily="18" charset="0"/>
+                          <a:ea typeface="等线" panose="02010600030101010101" pitchFamily="2" charset="-122"/>
+                          <a:cs typeface="Times New Roman" panose="02020603050405020304" pitchFamily="18" charset="0"/>
+                        </a:rPr>
+                        <a:t>&gt;</a:t>
+                      </a:r>
+                      <a:endParaRPr lang="zh-CN" sz="2500" kern="100" dirty="0">
+                        <a:effectLst/>
+                        <a:latin typeface="Times New Roman" panose="02020603050405020304" pitchFamily="18" charset="0"/>
+                        <a:ea typeface="等线" panose="02010600030101010101" pitchFamily="2" charset="-122"/>
+                        <a:cs typeface="Times New Roman" panose="02020603050405020304" pitchFamily="18" charset="0"/>
+                      </a:endParaRPr>
+                    </a:p>
+                  </a:txBody>
+                  <a:tcPr marL="68580" marR="68580" marT="0" marB="0" anchor="ctr">
+                    <a:lnL w="12700" cap="flat" cmpd="sng" algn="ctr">
+                      <a:solidFill>
+                        <a:srgbClr val="000000"/>
+                      </a:solidFill>
+                      <a:prstDash val="solid"/>
+                      <a:round/>
+                      <a:headEnd type="none" w="med" len="med"/>
+                      <a:tailEnd type="none" w="med" len="med"/>
+                    </a:lnL>
+                    <a:lnR w="12700" cap="flat" cmpd="sng" algn="ctr">
+                      <a:solidFill>
+                        <a:srgbClr val="000000"/>
+                      </a:solidFill>
+                      <a:prstDash val="solid"/>
+                      <a:round/>
+                      <a:headEnd type="none" w="med" len="med"/>
+                      <a:tailEnd type="none" w="med" len="med"/>
+                    </a:lnR>
+                    <a:lnT w="12700" cap="flat" cmpd="sng" algn="ctr">
+                      <a:solidFill>
+                        <a:srgbClr val="000000"/>
+                      </a:solidFill>
+                      <a:prstDash val="solid"/>
+                      <a:round/>
+                      <a:headEnd type="none" w="med" len="med"/>
+                      <a:tailEnd type="none" w="med" len="med"/>
+                    </a:lnT>
+                    <a:lnB w="12700" cap="flat" cmpd="sng" algn="ctr">
+                      <a:solidFill>
+                        <a:srgbClr val="000000"/>
+                      </a:solidFill>
+                      <a:prstDash val="solid"/>
+                      <a:round/>
+                      <a:headEnd type="none" w="med" len="med"/>
+                      <a:tailEnd type="none" w="med" len="med"/>
+                    </a:lnB>
+                    <a:solidFill>
+                      <a:schemeClr val="bg2">
+                        <a:lumMod val="90000"/>
+                      </a:schemeClr>
+                    </a:solidFill>
+                  </a:tcPr>
+                </a:tc>
+                <a:extLst>
+                  <a:ext uri="{0D108BD9-81ED-4DB2-BD59-A6C34878D82A}">
+                    <a16:rowId xmlns:a16="http://schemas.microsoft.com/office/drawing/2014/main" val="868881553"/>
+                  </a:ext>
+                </a:extLst>
+              </a:tr>
+              <a:tr h="1065496">
+                <a:tc>
+                  <a:txBody>
+                    <a:bodyPr/>
+                    <a:lstStyle/>
+                    <a:p>
+                      <a:pPr algn="ctr">
+                        <a:spcAft>
+                          <a:spcPts val="0"/>
+                        </a:spcAft>
+                      </a:pPr>
+                      <a:r>
+                        <a:rPr lang="en-US" altLang="zh-CN" sz="2500" kern="100" dirty="0">
+                          <a:effectLst/>
+                          <a:latin typeface="Times New Roman" panose="02020603050405020304" pitchFamily="18" charset="0"/>
+                          <a:ea typeface="等线" panose="02010600030101010101" pitchFamily="2" charset="-122"/>
+                          <a:cs typeface="Times New Roman" panose="02020603050405020304" pitchFamily="18" charset="0"/>
+                        </a:rPr>
+                        <a:t>Parallelizable</a:t>
+                      </a:r>
+                    </a:p>
+                    <a:p>
+                      <a:pPr algn="ctr">
+                        <a:spcAft>
+                          <a:spcPts val="0"/>
+                        </a:spcAft>
+                      </a:pPr>
+                      <a:r>
+                        <a:rPr lang="en-US" altLang="zh-CN" sz="2500" kern="100" baseline="0" dirty="0">
+                          <a:effectLst/>
+                          <a:latin typeface="Times New Roman" panose="02020603050405020304" pitchFamily="18" charset="0"/>
+                          <a:ea typeface="等线" panose="02010600030101010101" pitchFamily="2" charset="-122"/>
+                          <a:cs typeface="Times New Roman" panose="02020603050405020304" pitchFamily="18" charset="0"/>
+                        </a:rPr>
+                        <a:t>(</a:t>
+                      </a:r>
+                      <a:r>
+                        <a:rPr lang="en-US" altLang="zh-CN" sz="2500" kern="100" dirty="0">
+                          <a:effectLst/>
+                          <a:latin typeface="Times New Roman" panose="02020603050405020304" pitchFamily="18" charset="0"/>
+                          <a:ea typeface="+mn-ea"/>
+                          <a:cs typeface="Times New Roman" panose="02020603050405020304" pitchFamily="18" charset="0"/>
+                        </a:rPr>
+                        <a:t>No</a:t>
+                      </a:r>
+                      <a:r>
+                        <a:rPr lang="en-US" altLang="zh-CN" sz="2500" kern="100" baseline="0" dirty="0">
+                          <a:effectLst/>
+                          <a:latin typeface="Times New Roman" panose="02020603050405020304" pitchFamily="18" charset="0"/>
+                          <a:ea typeface="+mn-ea"/>
+                          <a:cs typeface="Times New Roman" panose="02020603050405020304" pitchFamily="18" charset="0"/>
+                        </a:rPr>
+                        <a:t> packet copy</a:t>
+                      </a:r>
+                      <a:r>
+                        <a:rPr lang="en-US" altLang="zh-CN" sz="2500" kern="100" baseline="0" dirty="0">
+                          <a:effectLst/>
+                          <a:latin typeface="Times New Roman" panose="02020603050405020304" pitchFamily="18" charset="0"/>
+                          <a:ea typeface="等线" panose="02010600030101010101" pitchFamily="2" charset="-122"/>
+                          <a:cs typeface="Times New Roman" panose="02020603050405020304" pitchFamily="18" charset="0"/>
+                        </a:rPr>
+                        <a:t>)</a:t>
+                      </a:r>
+                      <a:endParaRPr lang="zh-CN" sz="2500" kern="100" dirty="0">
+                        <a:effectLst/>
+                        <a:latin typeface="Times New Roman" panose="02020603050405020304" pitchFamily="18" charset="0"/>
+                        <a:ea typeface="等线" panose="02010600030101010101" pitchFamily="2" charset="-122"/>
+                        <a:cs typeface="Times New Roman" panose="02020603050405020304" pitchFamily="18" charset="0"/>
+                      </a:endParaRPr>
+                    </a:p>
+                  </a:txBody>
+                  <a:tcPr marL="68580" marR="68580" marT="0" marB="0" anchor="ctr">
+                    <a:lnL w="12700" cap="flat" cmpd="sng" algn="ctr">
+                      <a:solidFill>
+                        <a:srgbClr val="000000"/>
+                      </a:solidFill>
+                      <a:prstDash val="solid"/>
+                      <a:round/>
+                      <a:headEnd type="none" w="med" len="med"/>
+                      <a:tailEnd type="none" w="med" len="med"/>
+                    </a:lnL>
+                    <a:lnR w="12700" cap="flat" cmpd="sng" algn="ctr">
+                      <a:solidFill>
+                        <a:srgbClr val="000000"/>
+                      </a:solidFill>
+                      <a:prstDash val="solid"/>
+                      <a:round/>
+                      <a:headEnd type="none" w="med" len="med"/>
+                      <a:tailEnd type="none" w="med" len="med"/>
+                    </a:lnR>
+                    <a:lnT w="12700" cap="flat" cmpd="sng" algn="ctr">
+                      <a:solidFill>
+                        <a:srgbClr val="000000"/>
+                      </a:solidFill>
+                      <a:prstDash val="solid"/>
+                      <a:round/>
+                      <a:headEnd type="none" w="med" len="med"/>
+                      <a:tailEnd type="none" w="med" len="med"/>
+                    </a:lnT>
+                    <a:lnB w="12700" cap="flat" cmpd="sng" algn="ctr">
+                      <a:solidFill>
+                        <a:srgbClr val="000000"/>
+                      </a:solidFill>
+                      <a:prstDash val="solid"/>
+                      <a:round/>
+                      <a:headEnd type="none" w="med" len="med"/>
+                      <a:tailEnd type="none" w="med" len="med"/>
+                    </a:lnB>
+                  </a:tcPr>
+                </a:tc>
+                <a:tc>
+                  <a:txBody>
+                    <a:bodyPr/>
+                    <a:lstStyle/>
+                    <a:p>
+                      <a:pPr algn="ctr">
+                        <a:spcAft>
+                          <a:spcPts val="0"/>
+                        </a:spcAft>
+                      </a:pPr>
+                      <a:r>
+                        <a:rPr lang="en-US" sz="2500" kern="100" dirty="0">
+                          <a:effectLst/>
+                          <a:latin typeface="Times New Roman" panose="02020603050405020304" pitchFamily="18" charset="0"/>
+                          <a:ea typeface="等线" panose="02010600030101010101" pitchFamily="2" charset="-122"/>
+                          <a:cs typeface="Times New Roman" panose="02020603050405020304" pitchFamily="18" charset="0"/>
+                        </a:rPr>
+                        <a:t> &lt;R, R, *&gt;; </a:t>
+                      </a:r>
+                      <a:r>
+                        <a:rPr lang="en-US" altLang="zh-CN" sz="2500" kern="100" dirty="0">
+                          <a:effectLst/>
+                          <a:latin typeface="Times New Roman" panose="02020603050405020304" pitchFamily="18" charset="0"/>
+                          <a:ea typeface="等线" panose="02010600030101010101" pitchFamily="2" charset="-122"/>
+                          <a:cs typeface="Times New Roman" panose="02020603050405020304" pitchFamily="18" charset="0"/>
+                        </a:rPr>
+                        <a:t>&lt;R, W,</a:t>
+                      </a:r>
+                      <a:r>
+                        <a:rPr lang="en-US" altLang="zh-CN" sz="2500" kern="100" baseline="0" dirty="0">
+                          <a:effectLst/>
+                          <a:latin typeface="Times New Roman" panose="02020603050405020304" pitchFamily="18" charset="0"/>
+                          <a:ea typeface="等线" panose="02010600030101010101" pitchFamily="2" charset="-122"/>
+                          <a:cs typeface="Times New Roman" panose="02020603050405020304" pitchFamily="18" charset="0"/>
+                        </a:rPr>
+                        <a:t> N</a:t>
+                      </a:r>
+                      <a:r>
+                        <a:rPr lang="en-US" altLang="zh-CN" sz="2500" kern="100" dirty="0">
+                          <a:effectLst/>
+                          <a:latin typeface="Times New Roman" panose="02020603050405020304" pitchFamily="18" charset="0"/>
+                          <a:ea typeface="等线" panose="02010600030101010101" pitchFamily="2" charset="-122"/>
+                          <a:cs typeface="Times New Roman" panose="02020603050405020304" pitchFamily="18" charset="0"/>
+                        </a:rPr>
+                        <a:t>&gt;;</a:t>
+                      </a:r>
+                      <a:r>
+                        <a:rPr lang="en-US" altLang="zh-CN" sz="2500" kern="100" baseline="0" dirty="0">
+                          <a:effectLst/>
+                          <a:latin typeface="Times New Roman" panose="02020603050405020304" pitchFamily="18" charset="0"/>
+                          <a:ea typeface="等线" panose="02010600030101010101" pitchFamily="2" charset="-122"/>
+                          <a:cs typeface="Times New Roman" panose="02020603050405020304" pitchFamily="18" charset="0"/>
+                        </a:rPr>
+                        <a:t> </a:t>
+                      </a:r>
+                    </a:p>
+                    <a:p>
+                      <a:pPr algn="ctr">
+                        <a:spcAft>
+                          <a:spcPts val="0"/>
+                        </a:spcAft>
+                      </a:pPr>
+                      <a:r>
+                        <a:rPr lang="en-US" altLang="zh-CN" sz="2500" kern="100" dirty="0">
+                          <a:effectLst/>
+                          <a:latin typeface="Times New Roman" panose="02020603050405020304" pitchFamily="18" charset="0"/>
+                          <a:ea typeface="等线" panose="02010600030101010101" pitchFamily="2" charset="-122"/>
+                          <a:cs typeface="Times New Roman" panose="02020603050405020304" pitchFamily="18" charset="0"/>
+                        </a:rPr>
+                        <a:t>&lt;W, W, N&gt;;</a:t>
+                      </a:r>
+                      <a:r>
+                        <a:rPr lang="en-US" altLang="zh-CN" sz="2500" kern="100" baseline="0" dirty="0">
+                          <a:effectLst/>
+                          <a:latin typeface="Times New Roman" panose="02020603050405020304" pitchFamily="18" charset="0"/>
+                          <a:ea typeface="等线" panose="02010600030101010101" pitchFamily="2" charset="-122"/>
+                          <a:cs typeface="Times New Roman" panose="02020603050405020304" pitchFamily="18" charset="0"/>
+                        </a:rPr>
+                        <a:t> </a:t>
+                      </a:r>
+                      <a:r>
+                        <a:rPr lang="en-US" altLang="zh-CN" sz="2500" kern="100" dirty="0">
+                          <a:effectLst/>
+                          <a:latin typeface="Times New Roman" panose="02020603050405020304" pitchFamily="18" charset="0"/>
+                          <a:ea typeface="等线" panose="02010600030101010101" pitchFamily="2" charset="-122"/>
+                          <a:cs typeface="Times New Roman" panose="02020603050405020304" pitchFamily="18" charset="0"/>
+                        </a:rPr>
+                        <a:t>&lt;*,</a:t>
+                      </a:r>
+                      <a:r>
+                        <a:rPr lang="en-US" altLang="zh-CN" sz="2500" kern="100" baseline="0" dirty="0">
+                          <a:effectLst/>
+                          <a:latin typeface="Times New Roman" panose="02020603050405020304" pitchFamily="18" charset="0"/>
+                          <a:ea typeface="等线" panose="02010600030101010101" pitchFamily="2" charset="-122"/>
+                          <a:cs typeface="Times New Roman" panose="02020603050405020304" pitchFamily="18" charset="0"/>
+                        </a:rPr>
+                        <a:t> D, *</a:t>
+                      </a:r>
+                      <a:r>
+                        <a:rPr lang="en-US" altLang="zh-CN" sz="2500" kern="100" dirty="0">
+                          <a:effectLst/>
+                          <a:latin typeface="Times New Roman" panose="02020603050405020304" pitchFamily="18" charset="0"/>
+                          <a:ea typeface="等线" panose="02010600030101010101" pitchFamily="2" charset="-122"/>
+                          <a:cs typeface="Times New Roman" panose="02020603050405020304" pitchFamily="18" charset="0"/>
+                        </a:rPr>
+                        <a:t>&gt;</a:t>
+                      </a:r>
+                      <a:endParaRPr lang="zh-CN" sz="2500" kern="100" dirty="0">
+                        <a:effectLst/>
+                        <a:latin typeface="Times New Roman" panose="02020603050405020304" pitchFamily="18" charset="0"/>
+                        <a:ea typeface="等线" panose="02010600030101010101" pitchFamily="2" charset="-122"/>
+                        <a:cs typeface="Times New Roman" panose="02020603050405020304" pitchFamily="18" charset="0"/>
+                      </a:endParaRPr>
+                    </a:p>
+                  </a:txBody>
+                  <a:tcPr marL="68580" marR="68580" marT="0" marB="0" anchor="ctr">
+                    <a:lnL w="12700" cap="flat" cmpd="sng" algn="ctr">
+                      <a:solidFill>
+                        <a:srgbClr val="000000"/>
+                      </a:solidFill>
+                      <a:prstDash val="solid"/>
+                      <a:round/>
+                      <a:headEnd type="none" w="med" len="med"/>
+                      <a:tailEnd type="none" w="med" len="med"/>
+                    </a:lnL>
+                    <a:lnR w="12700" cap="flat" cmpd="sng" algn="ctr">
+                      <a:solidFill>
+                        <a:srgbClr val="000000"/>
+                      </a:solidFill>
+                      <a:prstDash val="solid"/>
+                      <a:round/>
+                      <a:headEnd type="none" w="med" len="med"/>
+                      <a:tailEnd type="none" w="med" len="med"/>
+                    </a:lnR>
+                    <a:lnT w="12700" cap="flat" cmpd="sng" algn="ctr">
+                      <a:solidFill>
+                        <a:srgbClr val="000000"/>
+                      </a:solidFill>
+                      <a:prstDash val="solid"/>
+                      <a:round/>
+                      <a:headEnd type="none" w="med" len="med"/>
+                      <a:tailEnd type="none" w="med" len="med"/>
+                    </a:lnT>
+                    <a:lnB w="12700" cap="flat" cmpd="sng" algn="ctr">
+                      <a:solidFill>
+                        <a:srgbClr val="000000"/>
+                      </a:solidFill>
+                      <a:prstDash val="solid"/>
+                      <a:round/>
+                      <a:headEnd type="none" w="med" len="med"/>
+                      <a:tailEnd type="none" w="med" len="med"/>
+                    </a:lnB>
+                  </a:tcPr>
+                </a:tc>
+                <a:extLst>
+                  <a:ext uri="{0D108BD9-81ED-4DB2-BD59-A6C34878D82A}">
+                    <a16:rowId xmlns:a16="http://schemas.microsoft.com/office/drawing/2014/main" val="1486221931"/>
+                  </a:ext>
+                </a:extLst>
+              </a:tr>
+              <a:tr h="1065496">
+                <a:tc>
+                  <a:txBody>
+                    <a:bodyPr/>
+                    <a:lstStyle/>
+                    <a:p>
+                      <a:pPr algn="ctr">
+                        <a:spcAft>
+                          <a:spcPts val="0"/>
+                        </a:spcAft>
+                      </a:pPr>
+                      <a:r>
+                        <a:rPr lang="en-US" sz="2500" kern="100" dirty="0">
+                          <a:effectLst/>
+                          <a:latin typeface="Times New Roman" panose="02020603050405020304" pitchFamily="18" charset="0"/>
+                          <a:ea typeface="等线" panose="02010600030101010101" pitchFamily="2" charset="-122"/>
+                          <a:cs typeface="Times New Roman" panose="02020603050405020304" pitchFamily="18" charset="0"/>
+                        </a:rPr>
+                        <a:t>Parallelizable</a:t>
+                      </a:r>
+                    </a:p>
+                    <a:p>
+                      <a:pPr algn="ctr">
+                        <a:spcAft>
+                          <a:spcPts val="0"/>
+                        </a:spcAft>
+                      </a:pPr>
+                      <a:r>
+                        <a:rPr lang="en-US" sz="2500" kern="100" baseline="0" dirty="0">
+                          <a:effectLst/>
+                          <a:latin typeface="Times New Roman" panose="02020603050405020304" pitchFamily="18" charset="0"/>
+                          <a:ea typeface="等线" panose="02010600030101010101" pitchFamily="2" charset="-122"/>
+                          <a:cs typeface="Times New Roman" panose="02020603050405020304" pitchFamily="18" charset="0"/>
+                        </a:rPr>
+                        <a:t>(</a:t>
+                      </a:r>
+                      <a:r>
+                        <a:rPr lang="en-US" altLang="zh-CN" sz="2500" kern="100" dirty="0">
+                          <a:effectLst/>
+                          <a:latin typeface="Times New Roman" panose="02020603050405020304" pitchFamily="18" charset="0"/>
+                          <a:ea typeface="+mn-ea"/>
+                          <a:cs typeface="Times New Roman" panose="02020603050405020304" pitchFamily="18" charset="0"/>
+                        </a:rPr>
+                        <a:t>Need</a:t>
+                      </a:r>
+                      <a:r>
+                        <a:rPr lang="en-US" altLang="zh-CN" sz="2500" kern="100" baseline="0" dirty="0">
+                          <a:effectLst/>
+                          <a:latin typeface="Times New Roman" panose="02020603050405020304" pitchFamily="18" charset="0"/>
+                          <a:ea typeface="+mn-ea"/>
+                          <a:cs typeface="Times New Roman" panose="02020603050405020304" pitchFamily="18" charset="0"/>
+                        </a:rPr>
+                        <a:t> packet copy</a:t>
+                      </a:r>
+                      <a:r>
+                        <a:rPr lang="en-US" sz="2500" kern="100" baseline="0" dirty="0">
+                          <a:effectLst/>
+                          <a:latin typeface="Times New Roman" panose="02020603050405020304" pitchFamily="18" charset="0"/>
+                          <a:ea typeface="等线" panose="02010600030101010101" pitchFamily="2" charset="-122"/>
+                          <a:cs typeface="Times New Roman" panose="02020603050405020304" pitchFamily="18" charset="0"/>
+                        </a:rPr>
+                        <a:t>)</a:t>
+                      </a:r>
+                      <a:r>
+                        <a:rPr lang="en-US" sz="2500" kern="100" dirty="0">
+                          <a:effectLst/>
+                          <a:latin typeface="Times New Roman" panose="02020603050405020304" pitchFamily="18" charset="0"/>
+                          <a:ea typeface="等线" panose="02010600030101010101" pitchFamily="2" charset="-122"/>
+                          <a:cs typeface="Times New Roman" panose="02020603050405020304" pitchFamily="18" charset="0"/>
+                        </a:rPr>
+                        <a:t> </a:t>
+                      </a:r>
+                      <a:endParaRPr lang="zh-CN" sz="2500" kern="100" dirty="0">
+                        <a:effectLst/>
+                        <a:latin typeface="Times New Roman" panose="02020603050405020304" pitchFamily="18" charset="0"/>
+                        <a:ea typeface="等线" panose="02010600030101010101" pitchFamily="2" charset="-122"/>
+                        <a:cs typeface="Times New Roman" panose="02020603050405020304" pitchFamily="18" charset="0"/>
+                      </a:endParaRPr>
+                    </a:p>
+                  </a:txBody>
+                  <a:tcPr marL="68580" marR="68580" marT="0" marB="0" anchor="ctr">
+                    <a:lnL w="12700" cap="flat" cmpd="sng" algn="ctr">
+                      <a:solidFill>
+                        <a:srgbClr val="000000"/>
+                      </a:solidFill>
+                      <a:prstDash val="solid"/>
+                      <a:round/>
+                      <a:headEnd type="none" w="med" len="med"/>
+                      <a:tailEnd type="none" w="med" len="med"/>
+                    </a:lnL>
+                    <a:lnR w="12700" cap="flat" cmpd="sng" algn="ctr">
+                      <a:solidFill>
+                        <a:srgbClr val="000000"/>
+                      </a:solidFill>
+                      <a:prstDash val="solid"/>
+                      <a:round/>
+                      <a:headEnd type="none" w="med" len="med"/>
+                      <a:tailEnd type="none" w="med" len="med"/>
+                    </a:lnR>
+                    <a:lnT w="12700" cap="flat" cmpd="sng" algn="ctr">
+                      <a:solidFill>
+                        <a:srgbClr val="000000"/>
+                      </a:solidFill>
+                      <a:prstDash val="solid"/>
+                      <a:round/>
+                      <a:headEnd type="none" w="med" len="med"/>
+                      <a:tailEnd type="none" w="med" len="med"/>
+                    </a:lnT>
+                    <a:lnB w="12700" cap="flat" cmpd="sng" algn="ctr">
+                      <a:solidFill>
+                        <a:srgbClr val="000000"/>
+                      </a:solidFill>
+                      <a:prstDash val="solid"/>
+                      <a:round/>
+                      <a:headEnd type="none" w="med" len="med"/>
+                      <a:tailEnd type="none" w="med" len="med"/>
+                    </a:lnB>
+                  </a:tcPr>
+                </a:tc>
+                <a:tc>
+                  <a:txBody>
+                    <a:bodyPr/>
+                    <a:lstStyle/>
+                    <a:p>
+                      <a:pPr algn="ctr">
+                        <a:spcAft>
+                          <a:spcPts val="0"/>
+                        </a:spcAft>
+                      </a:pPr>
+                      <a:r>
+                        <a:rPr lang="en-US" sz="2500" kern="100" dirty="0">
+                          <a:effectLst/>
+                          <a:latin typeface="Times New Roman" panose="02020603050405020304" pitchFamily="18" charset="0"/>
+                          <a:ea typeface="等线" panose="02010600030101010101" pitchFamily="2" charset="-122"/>
+                          <a:cs typeface="Times New Roman" panose="02020603050405020304" pitchFamily="18" charset="0"/>
+                        </a:rPr>
+                        <a:t> &lt;W, W, Y&gt;;</a:t>
+                      </a:r>
+                      <a:r>
+                        <a:rPr lang="en-US" sz="2500" kern="100" baseline="0" dirty="0">
+                          <a:effectLst/>
+                          <a:latin typeface="Times New Roman" panose="02020603050405020304" pitchFamily="18" charset="0"/>
+                          <a:ea typeface="等线" panose="02010600030101010101" pitchFamily="2" charset="-122"/>
+                          <a:cs typeface="Times New Roman" panose="02020603050405020304" pitchFamily="18" charset="0"/>
+                        </a:rPr>
+                        <a:t> </a:t>
+                      </a:r>
+                      <a:r>
+                        <a:rPr lang="en-US" altLang="zh-CN" sz="2500" kern="100" dirty="0">
+                          <a:effectLst/>
+                          <a:latin typeface="Times New Roman" panose="02020603050405020304" pitchFamily="18" charset="0"/>
+                          <a:ea typeface="等线" panose="02010600030101010101" pitchFamily="2" charset="-122"/>
+                          <a:cs typeface="Times New Roman" panose="02020603050405020304" pitchFamily="18" charset="0"/>
+                        </a:rPr>
+                        <a:t>&lt;R, W, Y&gt;;</a:t>
+                      </a:r>
+                      <a:r>
+                        <a:rPr lang="en-US" altLang="zh-CN" sz="2500" kern="100" baseline="0" dirty="0">
+                          <a:effectLst/>
+                          <a:latin typeface="Times New Roman" panose="02020603050405020304" pitchFamily="18" charset="0"/>
+                          <a:ea typeface="等线" panose="02010600030101010101" pitchFamily="2" charset="-122"/>
+                          <a:cs typeface="Times New Roman" panose="02020603050405020304" pitchFamily="18" charset="0"/>
+                        </a:rPr>
+                        <a:t> </a:t>
+                      </a:r>
+                      <a:r>
+                        <a:rPr lang="en-US" altLang="zh-CN" sz="2500" kern="100" dirty="0">
+                          <a:effectLst/>
+                          <a:latin typeface="Times New Roman" panose="02020603050405020304" pitchFamily="18" charset="0"/>
+                          <a:ea typeface="等线" panose="02010600030101010101" pitchFamily="2" charset="-122"/>
+                          <a:cs typeface="Times New Roman" panose="02020603050405020304" pitchFamily="18" charset="0"/>
+                        </a:rPr>
+                        <a:t>&lt;R, A/R, *&gt;;</a:t>
+                      </a:r>
+                      <a:r>
+                        <a:rPr lang="en-US" altLang="zh-CN" sz="2500" kern="100" baseline="0" dirty="0">
+                          <a:effectLst/>
+                          <a:latin typeface="Times New Roman" panose="02020603050405020304" pitchFamily="18" charset="0"/>
+                          <a:ea typeface="等线" panose="02010600030101010101" pitchFamily="2" charset="-122"/>
+                          <a:cs typeface="Times New Roman" panose="02020603050405020304" pitchFamily="18" charset="0"/>
+                        </a:rPr>
+                        <a:t> </a:t>
+                      </a:r>
+                    </a:p>
+                    <a:p>
+                      <a:pPr algn="ctr">
+                        <a:spcAft>
+                          <a:spcPts val="0"/>
+                        </a:spcAft>
+                      </a:pPr>
+                      <a:r>
+                        <a:rPr lang="en-US" altLang="zh-CN" sz="2500" kern="100" dirty="0">
+                          <a:effectLst/>
+                          <a:latin typeface="Times New Roman" panose="02020603050405020304" pitchFamily="18" charset="0"/>
+                          <a:ea typeface="+mn-ea"/>
+                          <a:cs typeface="Times New Roman" panose="02020603050405020304" pitchFamily="18" charset="0"/>
+                        </a:rPr>
+                        <a:t>&lt;W, A/R, *&gt;;</a:t>
+                      </a:r>
+                      <a:r>
+                        <a:rPr lang="en-US" altLang="zh-CN" sz="2500" kern="100" baseline="0" dirty="0">
+                          <a:effectLst/>
+                          <a:latin typeface="Times New Roman" panose="02020603050405020304" pitchFamily="18" charset="0"/>
+                          <a:ea typeface="+mn-ea"/>
+                          <a:cs typeface="Times New Roman" panose="02020603050405020304" pitchFamily="18" charset="0"/>
+                        </a:rPr>
+                        <a:t> </a:t>
+                      </a:r>
+                      <a:r>
+                        <a:rPr lang="en-US" altLang="zh-CN" sz="2500" kern="100" dirty="0">
+                          <a:effectLst/>
+                          <a:latin typeface="Times New Roman" panose="02020603050405020304" pitchFamily="18" charset="0"/>
+                          <a:ea typeface="+mn-ea"/>
+                          <a:cs typeface="Times New Roman" panose="02020603050405020304" pitchFamily="18" charset="0"/>
+                        </a:rPr>
+                        <a:t>&lt;A/R, A/R, *&gt;</a:t>
+                      </a:r>
+                      <a:endParaRPr lang="zh-CN" sz="2500" kern="100" dirty="0">
+                        <a:effectLst/>
+                        <a:latin typeface="Times New Roman" panose="02020603050405020304" pitchFamily="18" charset="0"/>
+                        <a:ea typeface="等线" panose="02010600030101010101" pitchFamily="2" charset="-122"/>
+                        <a:cs typeface="Times New Roman" panose="02020603050405020304" pitchFamily="18" charset="0"/>
+                      </a:endParaRPr>
+                    </a:p>
+                  </a:txBody>
+                  <a:tcPr marL="68580" marR="68580" marT="0" marB="0" anchor="ctr">
+                    <a:lnL w="12700" cap="flat" cmpd="sng" algn="ctr">
+                      <a:solidFill>
+                        <a:srgbClr val="000000"/>
+                      </a:solidFill>
+                      <a:prstDash val="solid"/>
+                      <a:round/>
+                      <a:headEnd type="none" w="med" len="med"/>
+                      <a:tailEnd type="none" w="med" len="med"/>
+                    </a:lnL>
+                    <a:lnR w="12700" cap="flat" cmpd="sng" algn="ctr">
+                      <a:solidFill>
+                        <a:srgbClr val="000000"/>
+                      </a:solidFill>
+                      <a:prstDash val="solid"/>
+                      <a:round/>
+                      <a:headEnd type="none" w="med" len="med"/>
+                      <a:tailEnd type="none" w="med" len="med"/>
+                    </a:lnR>
+                    <a:lnT w="12700" cap="flat" cmpd="sng" algn="ctr">
+                      <a:solidFill>
+                        <a:srgbClr val="000000"/>
+                      </a:solidFill>
+                      <a:prstDash val="solid"/>
+                      <a:round/>
+                      <a:headEnd type="none" w="med" len="med"/>
+                      <a:tailEnd type="none" w="med" len="med"/>
+                    </a:lnT>
+                    <a:lnB w="12700" cap="flat" cmpd="sng" algn="ctr">
+                      <a:solidFill>
+                        <a:srgbClr val="000000"/>
+                      </a:solidFill>
+                      <a:prstDash val="solid"/>
+                      <a:round/>
+                      <a:headEnd type="none" w="med" len="med"/>
+                      <a:tailEnd type="none" w="med" len="med"/>
+                    </a:lnB>
+                  </a:tcPr>
+                </a:tc>
+                <a:extLst>
+                  <a:ext uri="{0D108BD9-81ED-4DB2-BD59-A6C34878D82A}">
+                    <a16:rowId xmlns:a16="http://schemas.microsoft.com/office/drawing/2014/main" val="2763117215"/>
+                  </a:ext>
+                </a:extLst>
+              </a:tr>
+              <a:tr h="1065496">
+                <a:tc>
+                  <a:txBody>
+                    <a:bodyPr/>
+                    <a:lstStyle/>
+                    <a:p>
+                      <a:pPr algn="ctr">
+                        <a:spcAft>
+                          <a:spcPts val="0"/>
+                        </a:spcAft>
+                      </a:pPr>
+                      <a:r>
+                        <a:rPr lang="en-US" sz="2500" kern="100" dirty="0">
+                          <a:effectLst/>
+                          <a:latin typeface="Times New Roman" panose="02020603050405020304" pitchFamily="18" charset="0"/>
+                          <a:ea typeface="等线" panose="02010600030101010101" pitchFamily="2" charset="-122"/>
+                          <a:cs typeface="Times New Roman" panose="02020603050405020304" pitchFamily="18" charset="0"/>
+                        </a:rPr>
+                        <a:t>Non</a:t>
+                      </a:r>
+                      <a:r>
+                        <a:rPr lang="en-US" sz="2500" kern="100" baseline="0" dirty="0">
+                          <a:effectLst/>
+                          <a:latin typeface="Times New Roman" panose="02020603050405020304" pitchFamily="18" charset="0"/>
+                          <a:ea typeface="等线" panose="02010600030101010101" pitchFamily="2" charset="-122"/>
+                          <a:cs typeface="Times New Roman" panose="02020603050405020304" pitchFamily="18" charset="0"/>
+                        </a:rPr>
+                        <a:t> parallelizable</a:t>
+                      </a:r>
+                      <a:r>
+                        <a:rPr lang="en-US" sz="2500" kern="100" dirty="0">
+                          <a:effectLst/>
+                          <a:latin typeface="Times New Roman" panose="02020603050405020304" pitchFamily="18" charset="0"/>
+                          <a:ea typeface="等线" panose="02010600030101010101" pitchFamily="2" charset="-122"/>
+                          <a:cs typeface="Times New Roman" panose="02020603050405020304" pitchFamily="18" charset="0"/>
+                        </a:rPr>
+                        <a:t> </a:t>
+                      </a:r>
+                      <a:endParaRPr lang="zh-CN" sz="2500" kern="100" dirty="0">
+                        <a:effectLst/>
+                        <a:latin typeface="Times New Roman" panose="02020603050405020304" pitchFamily="18" charset="0"/>
+                        <a:ea typeface="等线" panose="02010600030101010101" pitchFamily="2" charset="-122"/>
+                        <a:cs typeface="Times New Roman" panose="02020603050405020304" pitchFamily="18" charset="0"/>
+                      </a:endParaRPr>
+                    </a:p>
+                  </a:txBody>
+                  <a:tcPr marL="68580" marR="68580" marT="0" marB="0" anchor="ctr">
+                    <a:lnL w="12700" cap="flat" cmpd="sng" algn="ctr">
+                      <a:solidFill>
+                        <a:srgbClr val="000000"/>
+                      </a:solidFill>
+                      <a:prstDash val="solid"/>
+                      <a:round/>
+                      <a:headEnd type="none" w="med" len="med"/>
+                      <a:tailEnd type="none" w="med" len="med"/>
+                    </a:lnL>
+                    <a:lnR w="12700" cap="flat" cmpd="sng" algn="ctr">
+                      <a:solidFill>
+                        <a:srgbClr val="000000"/>
+                      </a:solidFill>
+                      <a:prstDash val="solid"/>
+                      <a:round/>
+                      <a:headEnd type="none" w="med" len="med"/>
+                      <a:tailEnd type="none" w="med" len="med"/>
+                    </a:lnR>
+                    <a:lnT w="12700" cap="flat" cmpd="sng" algn="ctr">
+                      <a:solidFill>
+                        <a:srgbClr val="000000"/>
+                      </a:solidFill>
+                      <a:prstDash val="solid"/>
+                      <a:round/>
+                      <a:headEnd type="none" w="med" len="med"/>
+                      <a:tailEnd type="none" w="med" len="med"/>
+                    </a:lnT>
+                    <a:lnB w="12700" cap="flat" cmpd="sng" algn="ctr">
+                      <a:solidFill>
+                        <a:srgbClr val="000000"/>
+                      </a:solidFill>
+                      <a:prstDash val="solid"/>
+                      <a:round/>
+                      <a:headEnd type="none" w="med" len="med"/>
+                      <a:tailEnd type="none" w="med" len="med"/>
+                    </a:lnB>
+                  </a:tcPr>
+                </a:tc>
+                <a:tc>
+                  <a:txBody>
+                    <a:bodyPr/>
+                    <a:lstStyle/>
+                    <a:p>
+                      <a:pPr algn="ctr">
+                        <a:spcAft>
+                          <a:spcPts val="0"/>
+                        </a:spcAft>
+                      </a:pPr>
+                      <a:r>
+                        <a:rPr lang="en-US" sz="2500" kern="100" dirty="0">
+                          <a:effectLst/>
+                          <a:latin typeface="Times New Roman" panose="02020603050405020304" pitchFamily="18" charset="0"/>
+                          <a:ea typeface="等线" panose="02010600030101010101" pitchFamily="2" charset="-122"/>
+                          <a:cs typeface="Times New Roman" panose="02020603050405020304" pitchFamily="18" charset="0"/>
+                        </a:rPr>
+                        <a:t> &lt;W,</a:t>
+                      </a:r>
+                      <a:r>
+                        <a:rPr lang="en-US" sz="2500" kern="100" baseline="0" dirty="0">
+                          <a:effectLst/>
+                          <a:latin typeface="Times New Roman" panose="02020603050405020304" pitchFamily="18" charset="0"/>
+                          <a:ea typeface="等线" panose="02010600030101010101" pitchFamily="2" charset="-122"/>
+                          <a:cs typeface="Times New Roman" panose="02020603050405020304" pitchFamily="18" charset="0"/>
+                        </a:rPr>
+                        <a:t> R, *</a:t>
+                      </a:r>
+                      <a:r>
+                        <a:rPr lang="en-US" sz="2500" kern="100" dirty="0">
+                          <a:effectLst/>
+                          <a:latin typeface="Times New Roman" panose="02020603050405020304" pitchFamily="18" charset="0"/>
+                          <a:ea typeface="等线" panose="02010600030101010101" pitchFamily="2" charset="-122"/>
+                          <a:cs typeface="Times New Roman" panose="02020603050405020304" pitchFamily="18" charset="0"/>
+                        </a:rPr>
+                        <a:t>&gt;;</a:t>
+                      </a:r>
+                      <a:r>
+                        <a:rPr lang="en-US" sz="2500" kern="100" baseline="0" dirty="0">
+                          <a:effectLst/>
+                          <a:latin typeface="Times New Roman" panose="02020603050405020304" pitchFamily="18" charset="0"/>
+                          <a:ea typeface="等线" panose="02010600030101010101" pitchFamily="2" charset="-122"/>
+                          <a:cs typeface="Times New Roman" panose="02020603050405020304" pitchFamily="18" charset="0"/>
+                        </a:rPr>
+                        <a:t> </a:t>
+                      </a:r>
+                      <a:r>
+                        <a:rPr lang="en-US" altLang="zh-CN" sz="2500" kern="100" dirty="0">
+                          <a:effectLst/>
+                          <a:latin typeface="Times New Roman" panose="02020603050405020304" pitchFamily="18" charset="0"/>
+                          <a:ea typeface="+mn-ea"/>
+                          <a:cs typeface="Times New Roman" panose="02020603050405020304" pitchFamily="18" charset="0"/>
+                        </a:rPr>
+                        <a:t>&lt;A/R,</a:t>
+                      </a:r>
+                      <a:r>
+                        <a:rPr lang="en-US" altLang="zh-CN" sz="2500" kern="100" baseline="0" dirty="0">
+                          <a:effectLst/>
+                          <a:latin typeface="Times New Roman" panose="02020603050405020304" pitchFamily="18" charset="0"/>
+                          <a:ea typeface="+mn-ea"/>
+                          <a:cs typeface="Times New Roman" panose="02020603050405020304" pitchFamily="18" charset="0"/>
+                        </a:rPr>
+                        <a:t> R, *</a:t>
+                      </a:r>
+                      <a:r>
+                        <a:rPr lang="en-US" altLang="zh-CN" sz="2500" kern="100" dirty="0">
+                          <a:effectLst/>
+                          <a:latin typeface="Times New Roman" panose="02020603050405020304" pitchFamily="18" charset="0"/>
+                          <a:ea typeface="+mn-ea"/>
+                          <a:cs typeface="Times New Roman" panose="02020603050405020304" pitchFamily="18" charset="0"/>
+                        </a:rPr>
+                        <a:t>&gt;;</a:t>
+                      </a:r>
+                      <a:r>
+                        <a:rPr lang="en-US" altLang="zh-CN" sz="2500" kern="100" baseline="0" dirty="0">
+                          <a:effectLst/>
+                          <a:latin typeface="Times New Roman" panose="02020603050405020304" pitchFamily="18" charset="0"/>
+                          <a:ea typeface="+mn-ea"/>
+                          <a:cs typeface="Times New Roman" panose="02020603050405020304" pitchFamily="18" charset="0"/>
+                        </a:rPr>
+                        <a:t> </a:t>
+                      </a:r>
+                      <a:r>
+                        <a:rPr lang="en-US" altLang="zh-CN" sz="2500" kern="100" dirty="0">
+                          <a:effectLst/>
+                          <a:latin typeface="Times New Roman" panose="02020603050405020304" pitchFamily="18" charset="0"/>
+                          <a:ea typeface="+mn-ea"/>
+                          <a:cs typeface="Times New Roman" panose="02020603050405020304" pitchFamily="18" charset="0"/>
+                        </a:rPr>
+                        <a:t>&lt;A/R,</a:t>
+                      </a:r>
+                      <a:r>
+                        <a:rPr lang="en-US" altLang="zh-CN" sz="2500" kern="100" baseline="0" dirty="0">
+                          <a:effectLst/>
+                          <a:latin typeface="Times New Roman" panose="02020603050405020304" pitchFamily="18" charset="0"/>
+                          <a:ea typeface="+mn-ea"/>
+                          <a:cs typeface="Times New Roman" panose="02020603050405020304" pitchFamily="18" charset="0"/>
+                        </a:rPr>
+                        <a:t> W, *</a:t>
+                      </a:r>
+                      <a:r>
+                        <a:rPr lang="en-US" altLang="zh-CN" sz="2500" kern="100" dirty="0">
+                          <a:effectLst/>
+                          <a:latin typeface="Times New Roman" panose="02020603050405020304" pitchFamily="18" charset="0"/>
+                          <a:ea typeface="+mn-ea"/>
+                          <a:cs typeface="Times New Roman" panose="02020603050405020304" pitchFamily="18" charset="0"/>
+                        </a:rPr>
+                        <a:t>&gt;;</a:t>
+                      </a:r>
+                      <a:r>
+                        <a:rPr lang="en-US" altLang="zh-CN" sz="2500" kern="100" baseline="0" dirty="0">
+                          <a:effectLst/>
+                          <a:latin typeface="Times New Roman" panose="02020603050405020304" pitchFamily="18" charset="0"/>
+                          <a:ea typeface="+mn-ea"/>
+                          <a:cs typeface="Times New Roman" panose="02020603050405020304" pitchFamily="18" charset="0"/>
+                        </a:rPr>
+                        <a:t> </a:t>
+                      </a:r>
+                    </a:p>
+                    <a:p>
+                      <a:pPr algn="ctr">
+                        <a:spcAft>
+                          <a:spcPts val="0"/>
+                        </a:spcAft>
+                      </a:pPr>
+                      <a:r>
+                        <a:rPr lang="en-US" altLang="zh-CN" sz="2500" kern="100" dirty="0">
+                          <a:effectLst/>
+                          <a:latin typeface="Times New Roman" panose="02020603050405020304" pitchFamily="18" charset="0"/>
+                          <a:ea typeface="+mn-ea"/>
+                          <a:cs typeface="Times New Roman" panose="02020603050405020304" pitchFamily="18" charset="0"/>
+                        </a:rPr>
+                        <a:t>&lt;D, R, *&gt;;</a:t>
+                      </a:r>
+                      <a:r>
+                        <a:rPr lang="en-US" altLang="zh-CN" sz="2500" kern="100" baseline="0" dirty="0">
+                          <a:effectLst/>
+                          <a:latin typeface="Times New Roman" panose="02020603050405020304" pitchFamily="18" charset="0"/>
+                          <a:ea typeface="+mn-ea"/>
+                          <a:cs typeface="Times New Roman" panose="02020603050405020304" pitchFamily="18" charset="0"/>
+                        </a:rPr>
+                        <a:t> </a:t>
+                      </a:r>
+                      <a:r>
+                        <a:rPr lang="en-US" altLang="zh-CN" sz="2500" kern="100" dirty="0">
+                          <a:effectLst/>
+                          <a:latin typeface="Times New Roman" panose="02020603050405020304" pitchFamily="18" charset="0"/>
+                          <a:ea typeface="+mn-ea"/>
+                          <a:cs typeface="Times New Roman" panose="02020603050405020304" pitchFamily="18" charset="0"/>
+                        </a:rPr>
+                        <a:t>&lt;D, W, *&gt;;</a:t>
+                      </a:r>
+                      <a:r>
+                        <a:rPr lang="en-US" altLang="zh-CN" sz="2500" kern="100" baseline="0" dirty="0">
+                          <a:effectLst/>
+                          <a:latin typeface="Times New Roman" panose="02020603050405020304" pitchFamily="18" charset="0"/>
+                          <a:ea typeface="+mn-ea"/>
+                          <a:cs typeface="Times New Roman" panose="02020603050405020304" pitchFamily="18" charset="0"/>
+                        </a:rPr>
+                        <a:t> </a:t>
+                      </a:r>
+                      <a:r>
+                        <a:rPr lang="en-US" altLang="zh-CN" sz="2500" kern="100" dirty="0">
+                          <a:effectLst/>
+                          <a:latin typeface="Times New Roman" panose="02020603050405020304" pitchFamily="18" charset="0"/>
+                          <a:ea typeface="+mn-ea"/>
+                          <a:cs typeface="Times New Roman" panose="02020603050405020304" pitchFamily="18" charset="0"/>
+                        </a:rPr>
+                        <a:t>&lt;D, A/R, *&gt;</a:t>
+                      </a:r>
+                      <a:endParaRPr lang="zh-CN" sz="2500" kern="100" dirty="0">
+                        <a:effectLst/>
+                        <a:latin typeface="Times New Roman" panose="02020603050405020304" pitchFamily="18" charset="0"/>
+                        <a:ea typeface="等线" panose="02010600030101010101" pitchFamily="2" charset="-122"/>
+                        <a:cs typeface="Times New Roman" panose="02020603050405020304" pitchFamily="18" charset="0"/>
+                      </a:endParaRPr>
+                    </a:p>
+                  </a:txBody>
+                  <a:tcPr marL="68580" marR="68580" marT="0" marB="0" anchor="ctr">
+                    <a:lnL w="12700" cap="flat" cmpd="sng" algn="ctr">
+                      <a:solidFill>
+                        <a:srgbClr val="000000"/>
+                      </a:solidFill>
+                      <a:prstDash val="solid"/>
+                      <a:round/>
+                      <a:headEnd type="none" w="med" len="med"/>
+                      <a:tailEnd type="none" w="med" len="med"/>
+                    </a:lnL>
+                    <a:lnR w="12700" cap="flat" cmpd="sng" algn="ctr">
+                      <a:solidFill>
+                        <a:srgbClr val="000000"/>
+                      </a:solidFill>
+                      <a:prstDash val="solid"/>
+                      <a:round/>
+                      <a:headEnd type="none" w="med" len="med"/>
+                      <a:tailEnd type="none" w="med" len="med"/>
+                    </a:lnR>
+                    <a:lnT w="12700" cap="flat" cmpd="sng" algn="ctr">
+                      <a:solidFill>
+                        <a:srgbClr val="000000"/>
+                      </a:solidFill>
+                      <a:prstDash val="solid"/>
+                      <a:round/>
+                      <a:headEnd type="none" w="med" len="med"/>
+                      <a:tailEnd type="none" w="med" len="med"/>
+                    </a:lnT>
+                    <a:lnB w="12700" cap="flat" cmpd="sng" algn="ctr">
+                      <a:solidFill>
+                        <a:srgbClr val="000000"/>
+                      </a:solidFill>
+                      <a:prstDash val="solid"/>
+                      <a:round/>
+                      <a:headEnd type="none" w="med" len="med"/>
+                      <a:tailEnd type="none" w="med" len="med"/>
+                    </a:lnB>
+                  </a:tcPr>
+                </a:tc>
+                <a:extLst>
+                  <a:ext uri="{0D108BD9-81ED-4DB2-BD59-A6C34878D82A}">
+                    <a16:rowId xmlns:a16="http://schemas.microsoft.com/office/drawing/2014/main" val="3972804387"/>
+                  </a:ext>
+                </a:extLst>
+              </a:tr>
+            </a:tbl>
+          </a:graphicData>
+        </a:graphic>
+      </p:graphicFrame>
     </p:spTree>
     <p:extLst>
       <p:ext uri="{BB962C8B-B14F-4D97-AF65-F5344CB8AC3E}">
-        <p14:creationId xmlns:p14="http://schemas.microsoft.com/office/powerpoint/2010/main" val="2687595860"/>
+        <p14:creationId xmlns:p14="http://schemas.microsoft.com/office/powerpoint/2010/main" val="496042281"/>
       </p:ext>
     </p:extLst>
   </p:cSld>
   <p:clrMapOvr>
     <a:masterClrMapping/>
   </p:clrMapOvr>
+  <mc:AlternateContent xmlns:mc="http://schemas.openxmlformats.org/markup-compatibility/2006">
+    <mc:Choice xmlns:p14="http://schemas.microsoft.com/office/powerpoint/2010/main" Requires="p14">
+      <p:transition spd="slow" p14:dur="2000"/>
+    </mc:Choice>
+    <mc:Fallback>
+      <p:transition spd="slow"/>
+    </mc:Fallback>
+  </mc:AlternateContent>
 </p:sld>
 </file>
 

--- a/docs/final_figures.pptx
+++ b/docs/final_figures.pptx
@@ -4217,16 +4217,16 @@
                         <a:rPr lang="en-US" altLang="zh-CN" sz="2500" kern="100" baseline="0" dirty="0" err="1" smtClean="0">
                           <a:effectLst/>
                           <a:latin typeface="Times New Roman" panose="02020603050405020304" pitchFamily="18" charset="0"/>
-                          <a:ea typeface="等线" panose="02010600030101010101" pitchFamily="2" charset="-122"/>
+                          <a:ea typeface="+mn-ea"/>
                           <a:cs typeface="Times New Roman" panose="02020603050405020304" pitchFamily="18" charset="0"/>
                         </a:rPr>
-                        <a:t>ConflictField</a:t>
+                        <a:t>FieldConflict</a:t>
                       </a:r>
                       <a:r>
                         <a:rPr lang="en-US" altLang="zh-CN" sz="2500" kern="100" baseline="0" dirty="0" smtClean="0">
                           <a:effectLst/>
                           <a:latin typeface="Times New Roman" panose="02020603050405020304" pitchFamily="18" charset="0"/>
-                          <a:ea typeface="等线" panose="02010600030101010101" pitchFamily="2" charset="-122"/>
+                          <a:ea typeface="+mn-ea"/>
                           <a:cs typeface="Times New Roman" panose="02020603050405020304" pitchFamily="18" charset="0"/>
                         </a:rPr>
                         <a:t>&gt;</a:t>
@@ -5151,11 +5151,11 @@
   <p:clrMapOvr>
     <a:masterClrMapping/>
   </p:clrMapOvr>
-  <mc:AlternateContent xmlns:mc="http://schemas.openxmlformats.org/markup-compatibility/2006">
-    <mc:Choice xmlns:p14="http://schemas.microsoft.com/office/powerpoint/2010/main" Requires="p14">
+  <mc:AlternateContent xmlns:mc="http://schemas.openxmlformats.org/markup-compatibility/2006" xmlns:p14="http://schemas.microsoft.com/office/powerpoint/2010/main">
+    <mc:Choice Requires="p14">
       <p:transition spd="slow" p14:dur="2000"/>
     </mc:Choice>
-    <mc:Fallback>
+    <mc:Fallback xmlns="">
       <p:transition spd="slow"/>
     </mc:Fallback>
   </mc:AlternateContent>
